--- a/app/docs/FlyWithMeApp.pptx
+++ b/app/docs/FlyWithMeApp.pptx
@@ -3679,7 +3679,7 @@
           <a:p>
             <a:r>
               <a:rPr lang="hu-HU" dirty="0" err="1"/>
-              <a:t>rélvéj</a:t>
+              <a:t>Railway</a:t>
             </a:r>
             <a:endParaRPr lang="hu-HU" dirty="0"/>
           </a:p>
@@ -3741,10 +3741,10 @@
       </p:sp>
       <p:pic>
         <p:nvPicPr>
-          <p:cNvPr id="1026" name="Picture 2" descr="React (software) - Wikipedia">
-            <a:extLst>
-              <a:ext uri="{FF2B5EF4-FFF2-40B4-BE49-F238E27FC236}">
-                <a16:creationId xmlns:a16="http://schemas.microsoft.com/office/drawing/2014/main" id="{8219D1B1-A3E7-058C-25D8-EF88AC5377CB}"/>
+          <p:cNvPr id="3" name="Picture 2" descr="Railway Design | Railway Design | Railway">
+            <a:extLst>
+              <a:ext uri="{FF2B5EF4-FFF2-40B4-BE49-F238E27FC236}">
+                <a16:creationId xmlns:a16="http://schemas.microsoft.com/office/drawing/2014/main" id="{FDAC25FB-61E5-280E-7984-894067D4AF3F}"/>
               </a:ext>
             </a:extLst>
           </p:cNvPr>
@@ -3768,8 +3768,8 @@
         </p:blipFill>
         <p:spPr bwMode="auto">
           <a:xfrm>
-            <a:off x="4744374" y="2799890"/>
-            <a:ext cx="3039268" cy="2641778"/>
+            <a:off x="892628" y="1806110"/>
+            <a:ext cx="4125686" cy="4125686"/>
           </a:xfrm>
           <a:prstGeom prst="rect">
             <a:avLst/>
@@ -3788,10 +3788,10 @@
       </p:pic>
       <p:pic>
         <p:nvPicPr>
-          <p:cNvPr id="1028" name="Picture 4" descr="Node.js - Wikipedia">
-            <a:extLst>
-              <a:ext uri="{FF2B5EF4-FFF2-40B4-BE49-F238E27FC236}">
-                <a16:creationId xmlns:a16="http://schemas.microsoft.com/office/drawing/2014/main" id="{01D82792-279F-75D9-8041-507C60910548}"/>
+          <p:cNvPr id="5" name="Picture 4">
+            <a:extLst>
+              <a:ext uri="{FF2B5EF4-FFF2-40B4-BE49-F238E27FC236}">
+                <a16:creationId xmlns:a16="http://schemas.microsoft.com/office/drawing/2014/main" id="{18925618-694B-FD6D-FB70-29821674339B}"/>
               </a:ext>
             </a:extLst>
           </p:cNvPr>
@@ -3815,55 +3815,8 @@
         </p:blipFill>
         <p:spPr bwMode="auto">
           <a:xfrm>
-            <a:off x="1281454" y="3235917"/>
-            <a:ext cx="3019666" cy="1846943"/>
-          </a:xfrm>
-          <a:prstGeom prst="rect">
-            <a:avLst/>
-          </a:prstGeom>
-          <a:noFill/>
-          <a:extLst>
-            <a:ext uri="{909E8E84-426E-40DD-AFC4-6F175D3DCCD1}">
-              <a14:hiddenFill xmlns:a14="http://schemas.microsoft.com/office/drawing/2010/main">
-                <a:solidFill>
-                  <a:srgbClr val="FFFFFF"/>
-                </a:solidFill>
-              </a14:hiddenFill>
-            </a:ext>
-          </a:extLst>
-        </p:spPr>
-      </p:pic>
-      <p:pic>
-        <p:nvPicPr>
-          <p:cNvPr id="1030" name="Picture 6" descr="TypeScript — Vikipediya">
-            <a:extLst>
-              <a:ext uri="{FF2B5EF4-FFF2-40B4-BE49-F238E27FC236}">
-                <a16:creationId xmlns:a16="http://schemas.microsoft.com/office/drawing/2014/main" id="{88A56F38-B8BB-A896-79E4-9B506A6207F8}"/>
-              </a:ext>
-            </a:extLst>
-          </p:cNvPr>
-          <p:cNvPicPr>
-            <a:picLocks noChangeAspect="1" noChangeArrowheads="1"/>
-          </p:cNvPicPr>
-          <p:nvPr/>
-        </p:nvPicPr>
-        <p:blipFill>
-          <a:blip r:embed="rId4">
-            <a:extLst>
-              <a:ext uri="{28A0092B-C50C-407E-A947-70E740481C1C}">
-                <a14:useLocalDpi xmlns:a14="http://schemas.microsoft.com/office/drawing/2010/main" val="0"/>
-              </a:ext>
-            </a:extLst>
-          </a:blip>
-          <a:srcRect/>
-          <a:stretch>
-            <a:fillRect/>
-          </a:stretch>
-        </p:blipFill>
-        <p:spPr bwMode="auto">
-          <a:xfrm>
-            <a:off x="8421024" y="2958169"/>
-            <a:ext cx="2325220" cy="2325220"/>
+            <a:off x="5560703" y="2586253"/>
+            <a:ext cx="4965700" cy="2565400"/>
           </a:xfrm>
           <a:prstGeom prst="rect">
             <a:avLst/>
@@ -3902,195 +3855,6 @@
       </p:transition>
     </mc:Fallback>
   </mc:AlternateContent>
-  <p:timing>
-    <p:tnLst>
-      <p:par>
-        <p:cTn id="1" dur="indefinite" restart="never" nodeType="tmRoot">
-          <p:childTnLst>
-            <p:seq concurrent="1" nextAc="seek">
-              <p:cTn id="2" dur="indefinite" nodeType="mainSeq">
-                <p:childTnLst>
-                  <p:par>
-                    <p:cTn id="3" fill="hold">
-                      <p:stCondLst>
-                        <p:cond delay="indefinite"/>
-                      </p:stCondLst>
-                      <p:childTnLst>
-                        <p:par>
-                          <p:cTn id="4" fill="hold">
-                            <p:stCondLst>
-                              <p:cond delay="0"/>
-                            </p:stCondLst>
-                            <p:childTnLst>
-                              <p:par>
-                                <p:cTn id="5" presetID="9" presetClass="entr" presetSubtype="0" fill="hold" nodeType="clickEffect">
-                                  <p:stCondLst>
-                                    <p:cond delay="0"/>
-                                  </p:stCondLst>
-                                  <p:childTnLst>
-                                    <p:set>
-                                      <p:cBhvr>
-                                        <p:cTn id="6" dur="1" fill="hold">
-                                          <p:stCondLst>
-                                            <p:cond delay="0"/>
-                                          </p:stCondLst>
-                                        </p:cTn>
-                                        <p:tgtEl>
-                                          <p:spTgt spid="1028"/>
-                                        </p:tgtEl>
-                                        <p:attrNameLst>
-                                          <p:attrName>style.visibility</p:attrName>
-                                        </p:attrNameLst>
-                                      </p:cBhvr>
-                                      <p:to>
-                                        <p:strVal val="visible"/>
-                                      </p:to>
-                                    </p:set>
-                                    <p:animEffect transition="in" filter="dissolve">
-                                      <p:cBhvr>
-                                        <p:cTn id="7" dur="500"/>
-                                        <p:tgtEl>
-                                          <p:spTgt spid="1028"/>
-                                        </p:tgtEl>
-                                      </p:cBhvr>
-                                    </p:animEffect>
-                                  </p:childTnLst>
-                                </p:cTn>
-                              </p:par>
-                            </p:childTnLst>
-                          </p:cTn>
-                        </p:par>
-                      </p:childTnLst>
-                    </p:cTn>
-                  </p:par>
-                  <p:par>
-                    <p:cTn id="8" fill="hold">
-                      <p:stCondLst>
-                        <p:cond delay="indefinite"/>
-                      </p:stCondLst>
-                      <p:childTnLst>
-                        <p:par>
-                          <p:cTn id="9" fill="hold">
-                            <p:stCondLst>
-                              <p:cond delay="0"/>
-                            </p:stCondLst>
-                            <p:childTnLst>
-                              <p:par>
-                                <p:cTn id="10" presetID="9" presetClass="entr" presetSubtype="0" fill="hold" nodeType="clickEffect">
-                                  <p:stCondLst>
-                                    <p:cond delay="0"/>
-                                  </p:stCondLst>
-                                  <p:childTnLst>
-                                    <p:set>
-                                      <p:cBhvr>
-                                        <p:cTn id="11" dur="1" fill="hold">
-                                          <p:stCondLst>
-                                            <p:cond delay="0"/>
-                                          </p:stCondLst>
-                                        </p:cTn>
-                                        <p:tgtEl>
-                                          <p:spTgt spid="1026"/>
-                                        </p:tgtEl>
-                                        <p:attrNameLst>
-                                          <p:attrName>style.visibility</p:attrName>
-                                        </p:attrNameLst>
-                                      </p:cBhvr>
-                                      <p:to>
-                                        <p:strVal val="visible"/>
-                                      </p:to>
-                                    </p:set>
-                                    <p:animEffect transition="in" filter="dissolve">
-                                      <p:cBhvr>
-                                        <p:cTn id="12" dur="500"/>
-                                        <p:tgtEl>
-                                          <p:spTgt spid="1026"/>
-                                        </p:tgtEl>
-                                      </p:cBhvr>
-                                    </p:animEffect>
-                                  </p:childTnLst>
-                                </p:cTn>
-                              </p:par>
-                            </p:childTnLst>
-                          </p:cTn>
-                        </p:par>
-                      </p:childTnLst>
-                    </p:cTn>
-                  </p:par>
-                  <p:par>
-                    <p:cTn id="13" fill="hold">
-                      <p:stCondLst>
-                        <p:cond delay="indefinite"/>
-                      </p:stCondLst>
-                      <p:childTnLst>
-                        <p:par>
-                          <p:cTn id="14" fill="hold">
-                            <p:stCondLst>
-                              <p:cond delay="0"/>
-                            </p:stCondLst>
-                            <p:childTnLst>
-                              <p:par>
-                                <p:cTn id="15" presetID="9" presetClass="entr" presetSubtype="0" fill="hold" nodeType="clickEffect">
-                                  <p:stCondLst>
-                                    <p:cond delay="0"/>
-                                  </p:stCondLst>
-                                  <p:childTnLst>
-                                    <p:set>
-                                      <p:cBhvr>
-                                        <p:cTn id="16" dur="1" fill="hold">
-                                          <p:stCondLst>
-                                            <p:cond delay="0"/>
-                                          </p:stCondLst>
-                                        </p:cTn>
-                                        <p:tgtEl>
-                                          <p:spTgt spid="1030"/>
-                                        </p:tgtEl>
-                                        <p:attrNameLst>
-                                          <p:attrName>style.visibility</p:attrName>
-                                        </p:attrNameLst>
-                                      </p:cBhvr>
-                                      <p:to>
-                                        <p:strVal val="visible"/>
-                                      </p:to>
-                                    </p:set>
-                                    <p:animEffect transition="in" filter="dissolve">
-                                      <p:cBhvr>
-                                        <p:cTn id="17" dur="500"/>
-                                        <p:tgtEl>
-                                          <p:spTgt spid="1030"/>
-                                        </p:tgtEl>
-                                      </p:cBhvr>
-                                    </p:animEffect>
-                                  </p:childTnLst>
-                                </p:cTn>
-                              </p:par>
-                            </p:childTnLst>
-                          </p:cTn>
-                        </p:par>
-                      </p:childTnLst>
-                    </p:cTn>
-                  </p:par>
-                </p:childTnLst>
-              </p:cTn>
-              <p:prevCondLst>
-                <p:cond evt="onPrev" delay="0">
-                  <p:tgtEl>
-                    <p:sldTgt/>
-                  </p:tgtEl>
-                </p:cond>
-              </p:prevCondLst>
-              <p:nextCondLst>
-                <p:cond evt="onNext" delay="0">
-                  <p:tgtEl>
-                    <p:sldTgt/>
-                  </p:tgtEl>
-                </p:cond>
-              </p:nextCondLst>
-            </p:seq>
-          </p:childTnLst>
-        </p:cTn>
-      </p:par>
-    </p:tnLst>
-  </p:timing>
 </p:sld>
 </file>
 
@@ -4163,7 +3927,7 @@
         <p:spPr>
           <a:xfrm>
             <a:off x="214704" y="1991902"/>
-            <a:ext cx="6206463" cy="4351338"/>
+            <a:ext cx="5259821" cy="4351338"/>
           </a:xfrm>
         </p:spPr>
         <p:txBody>
@@ -4175,11 +3939,13 @@
             </a:pPr>
             <a:r>
               <a:rPr lang="hu-HU" dirty="0"/>
-              <a:t>SQL: </a:t>
-            </a:r>
+              <a:t>- SQL: </a:t>
+            </a:r>
+          </a:p>
+          <a:p>
             <a:r>
               <a:rPr lang="hu-HU" dirty="0" err="1"/>
-              <a:t>auto-incerement</a:t>
+              <a:t>auto-increment</a:t>
             </a:r>
             <a:endParaRPr lang="hu-HU" dirty="0"/>
           </a:p>
@@ -4189,28 +3955,13 @@
             </a:pPr>
             <a:r>
               <a:rPr lang="hu-HU" dirty="0"/>
-              <a:t>Python: </a:t>
-            </a:r>
+              <a:t>- Python: </a:t>
+            </a:r>
+          </a:p>
+          <a:p>
             <a:r>
               <a:rPr lang="hu-HU" dirty="0" err="1"/>
-              <a:t>packetot</a:t>
-            </a:r>
-            <a:r>
-              <a:rPr lang="hu-HU" dirty="0"/>
-              <a:t> importálása</a:t>
-            </a:r>
-          </a:p>
-          <a:p>
-            <a:pPr marL="0" indent="0">
-              <a:buNone/>
-            </a:pPr>
-            <a:r>
-              <a:rPr lang="hu-HU" dirty="0"/>
-              <a:t>	    </a:t>
-            </a:r>
-            <a:r>
-              <a:rPr lang="hu-HU" dirty="0" err="1"/>
-              <a:t>sql</a:t>
+              <a:t>pip</a:t>
             </a:r>
             <a:r>
               <a:rPr lang="hu-HU" dirty="0"/>
@@ -4218,30 +3969,21 @@
             </a:r>
             <a:r>
               <a:rPr lang="hu-HU" dirty="0" err="1"/>
-              <a:t>tömbe</a:t>
+              <a:t>packagek</a:t>
             </a:r>
             <a:r>
               <a:rPr lang="hu-HU" dirty="0"/>
-              <a:t> vétele</a:t>
-            </a:r>
-          </a:p>
-          <a:p>
-            <a:pPr marL="0" indent="0">
-              <a:buNone/>
-            </a:pPr>
-            <a:r>
-              <a:rPr lang="hu-HU" dirty="0"/>
-              <a:t>	    </a:t>
+              <a:t> installálása és használata</a:t>
             </a:r>
           </a:p>
         </p:txBody>
       </p:sp>
       <p:pic>
         <p:nvPicPr>
-          <p:cNvPr id="7" name="Kép 6">
-            <a:extLst>
-              <a:ext uri="{FF2B5EF4-FFF2-40B4-BE49-F238E27FC236}">
-                <a16:creationId xmlns:a16="http://schemas.microsoft.com/office/drawing/2014/main" id="{DCF330F0-3A2C-4BD9-9778-F19BC06DC3F1}"/>
+          <p:cNvPr id="5" name="Picture 4">
+            <a:extLst>
+              <a:ext uri="{FF2B5EF4-FFF2-40B4-BE49-F238E27FC236}">
+                <a16:creationId xmlns:a16="http://schemas.microsoft.com/office/drawing/2014/main" id="{A694B84A-1A50-8B10-71A1-8259B182E39D}"/>
               </a:ext>
             </a:extLst>
           </p:cNvPr>
@@ -4251,51 +3993,15 @@
           <p:nvPr/>
         </p:nvPicPr>
         <p:blipFill>
-          <a:blip r:embed="rId2">
-            <a:extLst>
-              <a:ext uri="{28A0092B-C50C-407E-A947-70E740481C1C}">
-                <a14:useLocalDpi xmlns:a14="http://schemas.microsoft.com/office/drawing/2010/main" val="0"/>
-              </a:ext>
-            </a:extLst>
-          </a:blip>
+          <a:blip r:embed="rId2"/>
           <a:stretch>
             <a:fillRect/>
           </a:stretch>
         </p:blipFill>
         <p:spPr>
           <a:xfrm>
-            <a:off x="6206463" y="0"/>
-            <a:ext cx="5985537" cy="3100917"/>
-          </a:xfrm>
-          <a:prstGeom prst="rect">
-            <a:avLst/>
-          </a:prstGeom>
-        </p:spPr>
-      </p:pic>
-      <p:pic>
-        <p:nvPicPr>
-          <p:cNvPr id="4" name="Kép 3">
-            <a:extLst>
-              <a:ext uri="{FF2B5EF4-FFF2-40B4-BE49-F238E27FC236}">
-                <a16:creationId xmlns:a16="http://schemas.microsoft.com/office/drawing/2014/main" id="{3E0F8151-8972-489E-AA43-857D985B8016}"/>
-              </a:ext>
-            </a:extLst>
-          </p:cNvPr>
-          <p:cNvPicPr>
-            <a:picLocks noChangeAspect="1"/>
-          </p:cNvPicPr>
-          <p:nvPr/>
-        </p:nvPicPr>
-        <p:blipFill>
-          <a:blip r:embed="rId3"/>
-          <a:stretch>
-            <a:fillRect/>
-          </a:stretch>
-        </p:blipFill>
-        <p:spPr>
-          <a:xfrm>
-            <a:off x="4647304" y="2574191"/>
-            <a:ext cx="7544696" cy="4295775"/>
+            <a:off x="5325846" y="1529440"/>
+            <a:ext cx="6547420" cy="3799120"/>
           </a:xfrm>
           <a:prstGeom prst="rect">
             <a:avLst/>
@@ -4324,89 +4030,6 @@
       </p:transition>
     </mc:Fallback>
   </mc:AlternateContent>
-  <p:timing>
-    <p:tnLst>
-      <p:par>
-        <p:cTn id="1" dur="indefinite" restart="never" nodeType="tmRoot">
-          <p:childTnLst>
-            <p:seq concurrent="1" nextAc="seek">
-              <p:cTn id="2" dur="indefinite" nodeType="mainSeq">
-                <p:childTnLst>
-                  <p:par>
-                    <p:cTn id="3" fill="hold">
-                      <p:stCondLst>
-                        <p:cond delay="indefinite"/>
-                      </p:stCondLst>
-                      <p:childTnLst>
-                        <p:par>
-                          <p:cTn id="4" fill="hold">
-                            <p:stCondLst>
-                              <p:cond delay="0"/>
-                            </p:stCondLst>
-                            <p:childTnLst>
-                              <p:par>
-                                <p:cTn id="5" presetID="9" presetClass="entr" presetSubtype="0" fill="hold" nodeType="clickEffect">
-                                  <p:stCondLst>
-                                    <p:cond delay="0"/>
-                                  </p:stCondLst>
-                                  <p:childTnLst>
-                                    <p:set>
-                                      <p:cBhvr>
-                                        <p:cTn id="6" dur="1" fill="hold">
-                                          <p:stCondLst>
-                                            <p:cond delay="0"/>
-                                          </p:stCondLst>
-                                        </p:cTn>
-                                        <p:tgtEl>
-                                          <p:spTgt spid="7"/>
-                                        </p:tgtEl>
-                                        <p:attrNameLst>
-                                          <p:attrName>style.visibility</p:attrName>
-                                        </p:attrNameLst>
-                                      </p:cBhvr>
-                                      <p:to>
-                                        <p:strVal val="visible"/>
-                                      </p:to>
-                                    </p:set>
-                                    <p:animEffect transition="in" filter="dissolve">
-                                      <p:cBhvr>
-                                        <p:cTn id="7" dur="500"/>
-                                        <p:tgtEl>
-                                          <p:spTgt spid="7"/>
-                                        </p:tgtEl>
-                                      </p:cBhvr>
-                                    </p:animEffect>
-                                  </p:childTnLst>
-                                </p:cTn>
-                              </p:par>
-                            </p:childTnLst>
-                          </p:cTn>
-                        </p:par>
-                      </p:childTnLst>
-                    </p:cTn>
-                  </p:par>
-                </p:childTnLst>
-              </p:cTn>
-              <p:prevCondLst>
-                <p:cond evt="onPrev" delay="0">
-                  <p:tgtEl>
-                    <p:sldTgt/>
-                  </p:tgtEl>
-                </p:cond>
-              </p:prevCondLst>
-              <p:nextCondLst>
-                <p:cond evt="onNext" delay="0">
-                  <p:tgtEl>
-                    <p:sldTgt/>
-                  </p:tgtEl>
-                </p:cond>
-              </p:nextCondLst>
-            </p:seq>
-          </p:childTnLst>
-        </p:cTn>
-      </p:par>
-    </p:tnLst>
-  </p:timing>
 </p:sld>
 </file>
 
@@ -4449,98 +4072,18 @@
           <a:lstStyle/>
           <a:p>
             <a:r>
-              <a:rPr lang="hu-HU" dirty="0" err="1"/>
-              <a:t>Formazas</a:t>
-            </a:r>
-            <a:r>
               <a:rPr lang="hu-HU" dirty="0"/>
-              <a:t>(</a:t>
-            </a:r>
-            <a:r>
-              <a:rPr lang="hu-HU" dirty="0" err="1"/>
-              <a:t>lőrikkúr</a:t>
-            </a:r>
-            <a:r>
-              <a:rPr lang="hu-HU" dirty="0"/>
-              <a:t>)</a:t>
-            </a:r>
-          </a:p>
-        </p:txBody>
-      </p:sp>
-      <p:sp>
-        <p:nvSpPr>
-          <p:cNvPr id="3" name="Tartalom helye 2">
-            <a:extLst>
-              <a:ext uri="{FF2B5EF4-FFF2-40B4-BE49-F238E27FC236}">
-                <a16:creationId xmlns:a16="http://schemas.microsoft.com/office/drawing/2014/main" id="{5497355F-0054-49C7-955B-78897DE6F88C}"/>
-              </a:ext>
-            </a:extLst>
-          </p:cNvPr>
-          <p:cNvSpPr>
-            <a:spLocks noGrp="1"/>
-          </p:cNvSpPr>
-          <p:nvPr>
-            <p:ph idx="1"/>
-          </p:nvPr>
-        </p:nvSpPr>
-        <p:spPr/>
-        <p:txBody>
-          <a:bodyPr/>
-          <a:lstStyle/>
-          <a:p>
-            <a:pPr marL="0" indent="0">
-              <a:buNone/>
-            </a:pPr>
-            <a:r>
-              <a:rPr lang="hu-HU" dirty="0"/>
-              <a:t>- Egy adott weboldalról le lehet kérni adatokat, amikkel a fejlesztő szabadon változókkal tud dolgozni. </a:t>
-            </a:r>
-          </a:p>
-          <a:p>
-            <a:pPr marL="0" indent="0">
-              <a:buNone/>
-            </a:pPr>
-            <a:r>
-              <a:rPr lang="hu-HU" dirty="0"/>
-              <a:t>- Fontosabb API-ok: Google </a:t>
-            </a:r>
-            <a:r>
-              <a:rPr lang="hu-HU" dirty="0" err="1"/>
-              <a:t>Maps</a:t>
-            </a:r>
-            <a:r>
-              <a:rPr lang="hu-HU" dirty="0"/>
-              <a:t>, </a:t>
-            </a:r>
-            <a:r>
-              <a:rPr lang="hu-HU" dirty="0" err="1"/>
-              <a:t>PayPal</a:t>
-            </a:r>
-            <a:r>
-              <a:rPr lang="hu-HU" dirty="0"/>
-              <a:t>, Airlabs (ezt használtuk mi is)</a:t>
-            </a:r>
-          </a:p>
-          <a:p>
-            <a:pPr marL="0" indent="0">
-              <a:buNone/>
-            </a:pPr>
-            <a:endParaRPr lang="hu-HU" dirty="0"/>
-          </a:p>
-          <a:p>
-            <a:pPr marL="0" indent="0">
-              <a:buNone/>
-            </a:pPr>
-            <a:endParaRPr lang="hu-HU" dirty="0"/>
+              <a:t>Formázás</a:t>
+            </a:r>
           </a:p>
         </p:txBody>
       </p:sp>
       <p:pic>
         <p:nvPicPr>
-          <p:cNvPr id="5" name="Kép 4">
-            <a:extLst>
-              <a:ext uri="{FF2B5EF4-FFF2-40B4-BE49-F238E27FC236}">
-                <a16:creationId xmlns:a16="http://schemas.microsoft.com/office/drawing/2014/main" id="{61089DD4-7A3A-43A8-B92A-A5FEB1874782}"/>
+          <p:cNvPr id="7" name="Kép 3">
+            <a:extLst>
+              <a:ext uri="{FF2B5EF4-FFF2-40B4-BE49-F238E27FC236}">
+                <a16:creationId xmlns:a16="http://schemas.microsoft.com/office/drawing/2014/main" id="{38D82D3D-9336-DA13-81E3-AA9935F94E01}"/>
               </a:ext>
             </a:extLst>
           </p:cNvPr>
@@ -4550,21 +4093,15 @@
           <p:nvPr/>
         </p:nvPicPr>
         <p:blipFill>
-          <a:blip r:embed="rId2">
-            <a:extLst>
-              <a:ext uri="{28A0092B-C50C-407E-A947-70E740481C1C}">
-                <a14:useLocalDpi xmlns:a14="http://schemas.microsoft.com/office/drawing/2010/main" val="0"/>
-              </a:ext>
-            </a:extLst>
-          </a:blip>
+          <a:blip r:embed="rId2"/>
           <a:stretch>
             <a:fillRect/>
           </a:stretch>
         </p:blipFill>
         <p:spPr>
           <a:xfrm>
-            <a:off x="4678878" y="3800518"/>
-            <a:ext cx="3070206" cy="2962480"/>
+            <a:off x="1718192" y="1899175"/>
+            <a:ext cx="8067944" cy="4593700"/>
           </a:xfrm>
           <a:prstGeom prst="rect">
             <a:avLst/>
@@ -4614,7 +4151,7 @@
                             </p:stCondLst>
                             <p:childTnLst>
                               <p:par>
-                                <p:cTn id="5" presetID="9" presetClass="entr" presetSubtype="0" fill="hold" nodeType="clickEffect">
+                                <p:cTn id="5" presetID="1" presetClass="entr" presetSubtype="0" fill="hold" nodeType="clickEffect">
                                   <p:stCondLst>
                                     <p:cond delay="0"/>
                                   </p:stCondLst>
@@ -4627,7 +4164,7 @@
                                           </p:stCondLst>
                                         </p:cTn>
                                         <p:tgtEl>
-                                          <p:spTgt spid="5"/>
+                                          <p:spTgt spid="7"/>
                                         </p:tgtEl>
                                         <p:attrNameLst>
                                           <p:attrName>style.visibility</p:attrName>
@@ -4637,14 +4174,6 @@
                                         <p:strVal val="visible"/>
                                       </p:to>
                                     </p:set>
-                                    <p:animEffect transition="in" filter="dissolve">
-                                      <p:cBhvr>
-                                        <p:cTn id="7" dur="500"/>
-                                        <p:tgtEl>
-                                          <p:spTgt spid="5"/>
-                                        </p:tgtEl>
-                                      </p:cBhvr>
-                                    </p:animEffect>
                                   </p:childTnLst>
                                 </p:cTn>
                               </p:par>
